--- a/source_code.pptx
+++ b/source_code.pptx
@@ -1734,7 +1734,7 @@
                 </a:solidFill>
                 <a:latin typeface="맑은 고딕"/>
               </a:rPr>
-              <a:t>10/10/2024</a:t>
+              <a:t>3/4/2025</a:t>
             </a:fld>
             <a:endParaRPr lang="en-US" sz="1200" b="0" strike="noStrike" spc="-1">
               <a:latin typeface="Noto Serif CJK KR"/>
@@ -2040,7 +2040,7 @@
           <p:nvPr>
             <p:extLst>
               <p:ext uri="{D42A27DB-BD31-4B8C-83A1-F6EECF244321}">
-                <p14:modId xmlns:p14="http://schemas.microsoft.com/office/powerpoint/2010/main" val="4015262346"/>
+                <p14:modId xmlns:p14="http://schemas.microsoft.com/office/powerpoint/2010/main" val="3556638168"/>
               </p:ext>
             </p:extLst>
           </p:nvPr>
@@ -2073,9 +2073,18 @@
                           <a:spcPct val="100000"/>
                         </a:lnSpc>
                       </a:pPr>
-                      <a:endParaRPr lang="en-US" altLang="ko-KR" sz="1600" b="0" strike="noStrike" spc="-1" dirty="0">
-                        <a:latin typeface="Noto Serif CJK KR"/>
-                      </a:endParaRPr>
+                      <a:r>
+                        <a:rPr lang="ko-KR" altLang="en-US" sz="1600" b="0" strike="noStrike" spc="-1" dirty="0" err="1">
+                          <a:latin typeface="Noto Serif CJK KR"/>
+                        </a:rPr>
+                        <a:t>뮤직스트리밍</a:t>
+                      </a:r>
+                      <a:r>
+                        <a:rPr lang="en-US" altLang="ko-KR" sz="1600" b="0" strike="noStrike" spc="-1" dirty="0">
+                          <a:latin typeface="Noto Serif CJK KR"/>
+                        </a:rPr>
+                        <a:t>:</a:t>
+                      </a:r>
                     </a:p>
                     <a:p>
                       <a:pPr>
@@ -2089,6 +2098,52 @@
                           <a:hlinkClick r:id="rId2"/>
                         </a:rPr>
                         <a:t>https://bitbucket.mobis.co.kr/projects/DAUDIO1_1_KK/repos/mobis.packages.apps.hkmc_musicstreaming/browse</a:t>
+                      </a:r>
+                      <a:endParaRPr lang="en-US" altLang="ko-KR" sz="1600" b="0" strike="noStrike" spc="-1" dirty="0">
+                        <a:latin typeface="Noto Serif CJK KR"/>
+                      </a:endParaRPr>
+                    </a:p>
+                    <a:p>
+                      <a:pPr>
+                        <a:lnSpc>
+                          <a:spcPct val="100000"/>
+                        </a:lnSpc>
+                      </a:pPr>
+                      <a:endParaRPr lang="en-US" altLang="ko-KR" sz="1600" b="0" strike="noStrike" spc="-1" dirty="0">
+                        <a:latin typeface="Noto Serif CJK KR"/>
+                      </a:endParaRPr>
+                    </a:p>
+                    <a:p>
+                      <a:pPr>
+                        <a:lnSpc>
+                          <a:spcPct val="100000"/>
+                        </a:lnSpc>
+                      </a:pPr>
+                      <a:r>
+                        <a:rPr lang="ko-KR" altLang="en-US" sz="1600" b="0" strike="noStrike" spc="-1" dirty="0" err="1">
+                          <a:latin typeface="Noto Serif CJK KR"/>
+                        </a:rPr>
+                        <a:t>큐큐뮤직</a:t>
+                      </a:r>
+                      <a:r>
+                        <a:rPr lang="en-US" altLang="ko-KR" sz="1600" b="0" strike="noStrike" spc="-1" dirty="0">
+                          <a:latin typeface="Noto Serif CJK KR"/>
+                        </a:rPr>
+                        <a:t>:</a:t>
+                      </a:r>
+                    </a:p>
+                    <a:p>
+                      <a:pPr>
+                        <a:lnSpc>
+                          <a:spcPct val="100000"/>
+                        </a:lnSpc>
+                      </a:pPr>
+                      <a:r>
+                        <a:rPr lang="en-US" altLang="ko-KR" sz="1600" b="0" strike="noStrike" spc="-1" dirty="0">
+                          <a:latin typeface="Noto Serif CJK KR"/>
+                          <a:hlinkClick r:id="rId3"/>
+                        </a:rPr>
+                        <a:t>https://bitbucket.mobis.co.kr/projects/DAUDIO1_1_KK/repos/platform.packages.apps.music/browse</a:t>
                       </a:r>
                       <a:endParaRPr lang="ko-KR" altLang="en-US" sz="1600" b="0" strike="noStrike" spc="-1" dirty="0">
                         <a:latin typeface="Noto Serif CJK KR"/>
